--- a/Relatorio/Apresentação.pptx
+++ b/Relatorio/Apresentação.pptx
@@ -10,7 +10,16 @@
     <p:sldId id="258" r:id="rId4"/>
     <p:sldId id="259" r:id="rId5"/>
     <p:sldId id="260" r:id="rId6"/>
-    <p:sldId id="261" r:id="rId7"/>
+    <p:sldId id="262" r:id="rId7"/>
+    <p:sldId id="263" r:id="rId8"/>
+    <p:sldId id="264" r:id="rId9"/>
+    <p:sldId id="265" r:id="rId10"/>
+    <p:sldId id="266" r:id="rId11"/>
+    <p:sldId id="267" r:id="rId12"/>
+    <p:sldId id="268" r:id="rId13"/>
+    <p:sldId id="269" r:id="rId14"/>
+    <p:sldId id="270" r:id="rId15"/>
+    <p:sldId id="261" r:id="rId16"/>
   </p:sldIdLst>
   <p:sldSz cx="9144000" cy="6858000" type="screen4x3"/>
   <p:notesSz cx="6858000" cy="9144000"/>
@@ -109,7 +118,363 @@
       </a:defRPr>
     </a:lvl9pPr>
   </p:defaultTextStyle>
+  <p:extLst>
+    <p:ext uri="{EFAFB233-063F-42B5-8137-9DF3F51BA10A}">
+      <p15:sldGuideLst xmlns:p15="http://schemas.microsoft.com/office/powerpoint/2012/main">
+        <p15:guide id="1" orient="horz" pos="2160">
+          <p15:clr>
+            <a:srgbClr val="A4A3A4"/>
+          </p15:clr>
+        </p15:guide>
+        <p15:guide id="2" pos="2880">
+          <p15:clr>
+            <a:srgbClr val="A4A3A4"/>
+          </p15:clr>
+        </p15:guide>
+      </p15:sldGuideLst>
+    </p:ext>
+  </p:extLst>
 </p:presentation>
+</file>
+
+<file path=ppt/revisionInfo.xml><?xml version="1.0" encoding="utf-8"?>
+<p1510:revInfo xmlns:a="http://schemas.openxmlformats.org/drawingml/2006/main" xmlns:r="http://schemas.openxmlformats.org/officeDocument/2006/relationships" xmlns:p1510="http://schemas.microsoft.com/office/powerpoint/2015/10/main">
+  <p1510:revLst>
+    <p1510:client id="{FF185DB6-C50A-410E-B6D2-F478E1D77624}" v="263" dt="2019-11-25T04:25:05.714"/>
+  </p1510:revLst>
+</p1510:revInfo>
+</file>
+
+<file path=ppt/changesInfos/changesInfo1.xml><?xml version="1.0" encoding="utf-8"?>
+<pc:chgInfo xmlns:a="http://schemas.openxmlformats.org/drawingml/2006/main" xmlns:r="http://schemas.openxmlformats.org/officeDocument/2006/relationships" xmlns:ac="http://schemas.microsoft.com/office/drawing/2013/main/command" xmlns:pc="http://schemas.microsoft.com/office/powerpoint/2013/main/command">
+  <pc:docChgLst>
+    <pc:chgData name="gabriel henrique linke" userId="d45aaf7a94bb190e" providerId="Windows Live" clId="Web-{FF185DB6-C50A-410E-B6D2-F478E1D77624}"/>
+    <pc:docChg chg="addSld modSld">
+      <pc:chgData name="gabriel henrique linke" userId="d45aaf7a94bb190e" providerId="Windows Live" clId="Web-{FF185DB6-C50A-410E-B6D2-F478E1D77624}" dt="2019-11-25T04:25:05.714" v="244"/>
+      <pc:docMkLst>
+        <pc:docMk/>
+      </pc:docMkLst>
+      <pc:sldChg chg="modSp">
+        <pc:chgData name="gabriel henrique linke" userId="d45aaf7a94bb190e" providerId="Windows Live" clId="Web-{FF185DB6-C50A-410E-B6D2-F478E1D77624}" dt="2019-11-25T04:04:50.783" v="69" actId="20577"/>
+        <pc:sldMkLst>
+          <pc:docMk/>
+          <pc:sldMk cId="0" sldId="259"/>
+        </pc:sldMkLst>
+        <pc:spChg chg="mod">
+          <ac:chgData name="gabriel henrique linke" userId="d45aaf7a94bb190e" providerId="Windows Live" clId="Web-{FF185DB6-C50A-410E-B6D2-F478E1D77624}" dt="2019-11-25T04:04:50.783" v="69" actId="20577"/>
+          <ac:spMkLst>
+            <pc:docMk/>
+            <pc:sldMk cId="0" sldId="259"/>
+            <ac:spMk id="3" creationId="{00000000-0000-0000-0000-000000000000}"/>
+          </ac:spMkLst>
+        </pc:spChg>
+      </pc:sldChg>
+      <pc:sldChg chg="addSp delSp modSp new">
+        <pc:chgData name="gabriel henrique linke" userId="d45aaf7a94bb190e" providerId="Windows Live" clId="Web-{FF185DB6-C50A-410E-B6D2-F478E1D77624}" dt="2019-11-25T04:13:48.558" v="137" actId="14100"/>
+        <pc:sldMkLst>
+          <pc:docMk/>
+          <pc:sldMk cId="2458281536" sldId="262"/>
+        </pc:sldMkLst>
+        <pc:spChg chg="mod">
+          <ac:chgData name="gabriel henrique linke" userId="d45aaf7a94bb190e" providerId="Windows Live" clId="Web-{FF185DB6-C50A-410E-B6D2-F478E1D77624}" dt="2019-11-25T04:05:24.972" v="80" actId="20577"/>
+          <ac:spMkLst>
+            <pc:docMk/>
+            <pc:sldMk cId="2458281536" sldId="262"/>
+            <ac:spMk id="2" creationId="{27E8C013-3A7A-4475-AD7F-968CC8EE2408}"/>
+          </ac:spMkLst>
+        </pc:spChg>
+        <pc:spChg chg="del">
+          <ac:chgData name="gabriel henrique linke" userId="d45aaf7a94bb190e" providerId="Windows Live" clId="Web-{FF185DB6-C50A-410E-B6D2-F478E1D77624}" dt="2019-11-25T04:05:30.363" v="83"/>
+          <ac:spMkLst>
+            <pc:docMk/>
+            <pc:sldMk cId="2458281536" sldId="262"/>
+            <ac:spMk id="3" creationId="{8C42DA29-8297-4F38-908D-F4C1B154A5AE}"/>
+          </ac:spMkLst>
+        </pc:spChg>
+        <pc:spChg chg="add del mod">
+          <ac:chgData name="gabriel henrique linke" userId="d45aaf7a94bb190e" providerId="Windows Live" clId="Web-{FF185DB6-C50A-410E-B6D2-F478E1D77624}" dt="2019-11-25T04:13:30.682" v="132"/>
+          <ac:spMkLst>
+            <pc:docMk/>
+            <pc:sldMk cId="2458281536" sldId="262"/>
+            <ac:spMk id="7" creationId="{0EFD9769-1A5F-4E5C-93E4-6286D7E6C92F}"/>
+          </ac:spMkLst>
+        </pc:spChg>
+        <pc:picChg chg="add del mod ord">
+          <ac:chgData name="gabriel henrique linke" userId="d45aaf7a94bb190e" providerId="Windows Live" clId="Web-{FF185DB6-C50A-410E-B6D2-F478E1D77624}" dt="2019-11-25T04:13:30.213" v="131"/>
+          <ac:picMkLst>
+            <pc:docMk/>
+            <pc:sldMk cId="2458281536" sldId="262"/>
+            <ac:picMk id="4" creationId="{084727CC-4901-418D-9ABC-989B07657A41}"/>
+          </ac:picMkLst>
+        </pc:picChg>
+        <pc:picChg chg="add mod ord">
+          <ac:chgData name="gabriel henrique linke" userId="d45aaf7a94bb190e" providerId="Windows Live" clId="Web-{FF185DB6-C50A-410E-B6D2-F478E1D77624}" dt="2019-11-25T04:13:48.558" v="137" actId="14100"/>
+          <ac:picMkLst>
+            <pc:docMk/>
+            <pc:sldMk cId="2458281536" sldId="262"/>
+            <ac:picMk id="8" creationId="{0B8BD1B5-7E21-4C35-A41B-31F249A3C9EE}"/>
+          </ac:picMkLst>
+        </pc:picChg>
+      </pc:sldChg>
+      <pc:sldChg chg="addSp delSp modSp new">
+        <pc:chgData name="gabriel henrique linke" userId="d45aaf7a94bb190e" providerId="Windows Live" clId="Web-{FF185DB6-C50A-410E-B6D2-F478E1D77624}" dt="2019-11-25T04:15:09.061" v="139"/>
+        <pc:sldMkLst>
+          <pc:docMk/>
+          <pc:sldMk cId="2577714810" sldId="263"/>
+        </pc:sldMkLst>
+        <pc:spChg chg="mod">
+          <ac:chgData name="gabriel henrique linke" userId="d45aaf7a94bb190e" providerId="Windows Live" clId="Web-{FF185DB6-C50A-410E-B6D2-F478E1D77624}" dt="2019-11-25T04:06:11.677" v="111" actId="20577"/>
+          <ac:spMkLst>
+            <pc:docMk/>
+            <pc:sldMk cId="2577714810" sldId="263"/>
+            <ac:spMk id="2" creationId="{D6A9105B-8C69-43B7-8B6A-6E804F6AC2B5}"/>
+          </ac:spMkLst>
+        </pc:spChg>
+        <pc:spChg chg="del">
+          <ac:chgData name="gabriel henrique linke" userId="d45aaf7a94bb190e" providerId="Windows Live" clId="Web-{FF185DB6-C50A-410E-B6D2-F478E1D77624}" dt="2019-11-25T04:06:15.552" v="114"/>
+          <ac:spMkLst>
+            <pc:docMk/>
+            <pc:sldMk cId="2577714810" sldId="263"/>
+            <ac:spMk id="3" creationId="{0DF81568-ADC9-4B16-A581-D5A02118B730}"/>
+          </ac:spMkLst>
+        </pc:spChg>
+        <pc:spChg chg="add del mod">
+          <ac:chgData name="gabriel henrique linke" userId="d45aaf7a94bb190e" providerId="Windows Live" clId="Web-{FF185DB6-C50A-410E-B6D2-F478E1D77624}" dt="2019-11-25T04:15:09.061" v="139"/>
+          <ac:spMkLst>
+            <pc:docMk/>
+            <pc:sldMk cId="2577714810" sldId="263"/>
+            <ac:spMk id="7" creationId="{6DB8211A-7373-400D-88D9-B33519C0A4E0}"/>
+          </ac:spMkLst>
+        </pc:spChg>
+        <pc:picChg chg="add del mod ord">
+          <ac:chgData name="gabriel henrique linke" userId="d45aaf7a94bb190e" providerId="Windows Live" clId="Web-{FF185DB6-C50A-410E-B6D2-F478E1D77624}" dt="2019-11-25T04:15:06.139" v="138"/>
+          <ac:picMkLst>
+            <pc:docMk/>
+            <pc:sldMk cId="2577714810" sldId="263"/>
+            <ac:picMk id="4" creationId="{B1D41335-EDD3-4B8E-A6B3-A516ABCB13B7}"/>
+          </ac:picMkLst>
+        </pc:picChg>
+        <pc:picChg chg="add mod ord">
+          <ac:chgData name="gabriel henrique linke" userId="d45aaf7a94bb190e" providerId="Windows Live" clId="Web-{FF185DB6-C50A-410E-B6D2-F478E1D77624}" dt="2019-11-25T04:15:09.061" v="139"/>
+          <ac:picMkLst>
+            <pc:docMk/>
+            <pc:sldMk cId="2577714810" sldId="263"/>
+            <ac:picMk id="8" creationId="{FB7829EB-04D5-425C-A6AE-5AE3AB2589C4}"/>
+          </ac:picMkLst>
+        </pc:picChg>
+      </pc:sldChg>
+      <pc:sldChg chg="addSp delSp modSp new">
+        <pc:chgData name="gabriel henrique linke" userId="d45aaf7a94bb190e" providerId="Windows Live" clId="Web-{FF185DB6-C50A-410E-B6D2-F478E1D77624}" dt="2019-11-25T04:16:42.550" v="141"/>
+        <pc:sldMkLst>
+          <pc:docMk/>
+          <pc:sldMk cId="2929245450" sldId="264"/>
+        </pc:sldMkLst>
+        <pc:spChg chg="mod">
+          <ac:chgData name="gabriel henrique linke" userId="d45aaf7a94bb190e" providerId="Windows Live" clId="Web-{FF185DB6-C50A-410E-B6D2-F478E1D77624}" dt="2019-11-25T04:06:43.803" v="127" actId="20577"/>
+          <ac:spMkLst>
+            <pc:docMk/>
+            <pc:sldMk cId="2929245450" sldId="264"/>
+            <ac:spMk id="2" creationId="{29BA6416-7C31-48F1-8CF9-8AEFCE9D8880}"/>
+          </ac:spMkLst>
+        </pc:spChg>
+        <pc:spChg chg="del">
+          <ac:chgData name="gabriel henrique linke" userId="d45aaf7a94bb190e" providerId="Windows Live" clId="Web-{FF185DB6-C50A-410E-B6D2-F478E1D77624}" dt="2019-11-25T04:06:42.475" v="116"/>
+          <ac:spMkLst>
+            <pc:docMk/>
+            <pc:sldMk cId="2929245450" sldId="264"/>
+            <ac:spMk id="3" creationId="{76A4DA09-5DEF-4D46-AAB4-27564D788894}"/>
+          </ac:spMkLst>
+        </pc:spChg>
+        <pc:spChg chg="add del mod">
+          <ac:chgData name="gabriel henrique linke" userId="d45aaf7a94bb190e" providerId="Windows Live" clId="Web-{FF185DB6-C50A-410E-B6D2-F478E1D77624}" dt="2019-11-25T04:16:42.550" v="141"/>
+          <ac:spMkLst>
+            <pc:docMk/>
+            <pc:sldMk cId="2929245450" sldId="264"/>
+            <ac:spMk id="7" creationId="{321F5376-4E4D-4357-966A-141975F8E369}"/>
+          </ac:spMkLst>
+        </pc:spChg>
+        <pc:picChg chg="add del mod ord">
+          <ac:chgData name="gabriel henrique linke" userId="d45aaf7a94bb190e" providerId="Windows Live" clId="Web-{FF185DB6-C50A-410E-B6D2-F478E1D77624}" dt="2019-11-25T04:15:13.437" v="140"/>
+          <ac:picMkLst>
+            <pc:docMk/>
+            <pc:sldMk cId="2929245450" sldId="264"/>
+            <ac:picMk id="4" creationId="{CA0998B0-2C76-461A-939F-5B6D1C920A86}"/>
+          </ac:picMkLst>
+        </pc:picChg>
+        <pc:picChg chg="add mod ord">
+          <ac:chgData name="gabriel henrique linke" userId="d45aaf7a94bb190e" providerId="Windows Live" clId="Web-{FF185DB6-C50A-410E-B6D2-F478E1D77624}" dt="2019-11-25T04:16:42.550" v="141"/>
+          <ac:picMkLst>
+            <pc:docMk/>
+            <pc:sldMk cId="2929245450" sldId="264"/>
+            <ac:picMk id="8" creationId="{07A268B1-7CEF-47EE-AE50-310C9395327A}"/>
+          </ac:picMkLst>
+        </pc:picChg>
+      </pc:sldChg>
+      <pc:sldChg chg="addSp delSp modSp new">
+        <pc:chgData name="gabriel henrique linke" userId="d45aaf7a94bb190e" providerId="Windows Live" clId="Web-{FF185DB6-C50A-410E-B6D2-F478E1D77624}" dt="2019-11-25T04:17:50.741" v="160"/>
+        <pc:sldMkLst>
+          <pc:docMk/>
+          <pc:sldMk cId="3635162103" sldId="265"/>
+        </pc:sldMkLst>
+        <pc:spChg chg="mod">
+          <ac:chgData name="gabriel henrique linke" userId="d45aaf7a94bb190e" providerId="Windows Live" clId="Web-{FF185DB6-C50A-410E-B6D2-F478E1D77624}" dt="2019-11-25T04:17:46.569" v="158" actId="20577"/>
+          <ac:spMkLst>
+            <pc:docMk/>
+            <pc:sldMk cId="3635162103" sldId="265"/>
+            <ac:spMk id="2" creationId="{25BB2CD9-34D0-4746-AED1-BE41DB726E68}"/>
+          </ac:spMkLst>
+        </pc:spChg>
+        <pc:spChg chg="del">
+          <ac:chgData name="gabriel henrique linke" userId="d45aaf7a94bb190e" providerId="Windows Live" clId="Web-{FF185DB6-C50A-410E-B6D2-F478E1D77624}" dt="2019-11-25T04:17:50.741" v="160"/>
+          <ac:spMkLst>
+            <pc:docMk/>
+            <pc:sldMk cId="3635162103" sldId="265"/>
+            <ac:spMk id="3" creationId="{66365F0E-DB1D-46C7-AE0D-86283C7DCF11}"/>
+          </ac:spMkLst>
+        </pc:spChg>
+        <pc:picChg chg="add mod ord">
+          <ac:chgData name="gabriel henrique linke" userId="d45aaf7a94bb190e" providerId="Windows Live" clId="Web-{FF185DB6-C50A-410E-B6D2-F478E1D77624}" dt="2019-11-25T04:17:50.741" v="160"/>
+          <ac:picMkLst>
+            <pc:docMk/>
+            <pc:sldMk cId="3635162103" sldId="265"/>
+            <ac:picMk id="4" creationId="{811F4465-4B1C-44A7-94B7-00D91A263D1F}"/>
+          </ac:picMkLst>
+        </pc:picChg>
+      </pc:sldChg>
+      <pc:sldChg chg="addSp delSp modSp new">
+        <pc:chgData name="gabriel henrique linke" userId="d45aaf7a94bb190e" providerId="Windows Live" clId="Web-{FF185DB6-C50A-410E-B6D2-F478E1D77624}" dt="2019-11-25T04:19:57.372" v="178"/>
+        <pc:sldMkLst>
+          <pc:docMk/>
+          <pc:sldMk cId="885815498" sldId="266"/>
+        </pc:sldMkLst>
+        <pc:spChg chg="mod">
+          <ac:chgData name="gabriel henrique linke" userId="d45aaf7a94bb190e" providerId="Windows Live" clId="Web-{FF185DB6-C50A-410E-B6D2-F478E1D77624}" dt="2019-11-25T04:19:45.090" v="175" actId="20577"/>
+          <ac:spMkLst>
+            <pc:docMk/>
+            <pc:sldMk cId="885815498" sldId="266"/>
+            <ac:spMk id="2" creationId="{47B6C1FA-479C-4CC7-92D9-9EAAE42254DE}"/>
+          </ac:spMkLst>
+        </pc:spChg>
+        <pc:spChg chg="del">
+          <ac:chgData name="gabriel henrique linke" userId="d45aaf7a94bb190e" providerId="Windows Live" clId="Web-{FF185DB6-C50A-410E-B6D2-F478E1D77624}" dt="2019-11-25T04:19:57.372" v="178"/>
+          <ac:spMkLst>
+            <pc:docMk/>
+            <pc:sldMk cId="885815498" sldId="266"/>
+            <ac:spMk id="3" creationId="{EF039BB3-AB39-44B0-AADB-31DE7C0FE736}"/>
+          </ac:spMkLst>
+        </pc:spChg>
+        <pc:picChg chg="add mod ord">
+          <ac:chgData name="gabriel henrique linke" userId="d45aaf7a94bb190e" providerId="Windows Live" clId="Web-{FF185DB6-C50A-410E-B6D2-F478E1D77624}" dt="2019-11-25T04:19:57.372" v="178"/>
+          <ac:picMkLst>
+            <pc:docMk/>
+            <pc:sldMk cId="885815498" sldId="266"/>
+            <ac:picMk id="4" creationId="{0B1B02C8-C16D-4118-9C5F-E0C5CE3BFC8E}"/>
+          </ac:picMkLst>
+        </pc:picChg>
+      </pc:sldChg>
+      <pc:sldChg chg="addSp delSp modSp new">
+        <pc:chgData name="gabriel henrique linke" userId="d45aaf7a94bb190e" providerId="Windows Live" clId="Web-{FF185DB6-C50A-410E-B6D2-F478E1D77624}" dt="2019-11-25T04:21:24.469" v="201"/>
+        <pc:sldMkLst>
+          <pc:docMk/>
+          <pc:sldMk cId="913792203" sldId="267"/>
+        </pc:sldMkLst>
+        <pc:spChg chg="mod">
+          <ac:chgData name="gabriel henrique linke" userId="d45aaf7a94bb190e" providerId="Windows Live" clId="Web-{FF185DB6-C50A-410E-B6D2-F478E1D77624}" dt="2019-11-25T04:21:22.251" v="198" actId="20577"/>
+          <ac:spMkLst>
+            <pc:docMk/>
+            <pc:sldMk cId="913792203" sldId="267"/>
+            <ac:spMk id="2" creationId="{BAC84E0D-B569-4EA5-A363-22F51D84A63A}"/>
+          </ac:spMkLst>
+        </pc:spChg>
+        <pc:spChg chg="del">
+          <ac:chgData name="gabriel henrique linke" userId="d45aaf7a94bb190e" providerId="Windows Live" clId="Web-{FF185DB6-C50A-410E-B6D2-F478E1D77624}" dt="2019-11-25T04:21:24.469" v="201"/>
+          <ac:spMkLst>
+            <pc:docMk/>
+            <pc:sldMk cId="913792203" sldId="267"/>
+            <ac:spMk id="3" creationId="{CA7BEAFB-2DB0-4C40-92E3-A527FA127957}"/>
+          </ac:spMkLst>
+        </pc:spChg>
+        <pc:picChg chg="add mod ord">
+          <ac:chgData name="gabriel henrique linke" userId="d45aaf7a94bb190e" providerId="Windows Live" clId="Web-{FF185DB6-C50A-410E-B6D2-F478E1D77624}" dt="2019-11-25T04:21:24.469" v="201"/>
+          <ac:picMkLst>
+            <pc:docMk/>
+            <pc:sldMk cId="913792203" sldId="267"/>
+            <ac:picMk id="4" creationId="{F47C6719-7262-4E58-B18C-51321C65DEA6}"/>
+          </ac:picMkLst>
+        </pc:picChg>
+      </pc:sldChg>
+      <pc:sldChg chg="addSp delSp modSp new">
+        <pc:chgData name="gabriel henrique linke" userId="d45aaf7a94bb190e" providerId="Windows Live" clId="Web-{FF185DB6-C50A-410E-B6D2-F478E1D77624}" dt="2019-11-25T04:23:02.615" v="226"/>
+        <pc:sldMkLst>
+          <pc:docMk/>
+          <pc:sldMk cId="3661558726" sldId="268"/>
+        </pc:sldMkLst>
+        <pc:spChg chg="mod">
+          <ac:chgData name="gabriel henrique linke" userId="d45aaf7a94bb190e" providerId="Windows Live" clId="Web-{FF185DB6-C50A-410E-B6D2-F478E1D77624}" dt="2019-11-25T04:22:45.551" v="223" actId="20577"/>
+          <ac:spMkLst>
+            <pc:docMk/>
+            <pc:sldMk cId="3661558726" sldId="268"/>
+            <ac:spMk id="2" creationId="{9E48CA41-9E8B-41AA-B613-D6823ACD1E85}"/>
+          </ac:spMkLst>
+        </pc:spChg>
+        <pc:spChg chg="del">
+          <ac:chgData name="gabriel henrique linke" userId="d45aaf7a94bb190e" providerId="Windows Live" clId="Web-{FF185DB6-C50A-410E-B6D2-F478E1D77624}" dt="2019-11-25T04:23:02.615" v="226"/>
+          <ac:spMkLst>
+            <pc:docMk/>
+            <pc:sldMk cId="3661558726" sldId="268"/>
+            <ac:spMk id="3" creationId="{CFB3CF5A-4369-469D-BBC8-2DDFED59F3B0}"/>
+          </ac:spMkLst>
+        </pc:spChg>
+        <pc:picChg chg="add mod ord">
+          <ac:chgData name="gabriel henrique linke" userId="d45aaf7a94bb190e" providerId="Windows Live" clId="Web-{FF185DB6-C50A-410E-B6D2-F478E1D77624}" dt="2019-11-25T04:23:02.615" v="226"/>
+          <ac:picMkLst>
+            <pc:docMk/>
+            <pc:sldMk cId="3661558726" sldId="268"/>
+            <ac:picMk id="4" creationId="{97CE5036-9397-4F8B-B44B-B4522D4362C7}"/>
+          </ac:picMkLst>
+        </pc:picChg>
+      </pc:sldChg>
+      <pc:sldChg chg="addSp delSp modSp new">
+        <pc:chgData name="gabriel henrique linke" userId="d45aaf7a94bb190e" providerId="Windows Live" clId="Web-{FF185DB6-C50A-410E-B6D2-F478E1D77624}" dt="2019-11-25T04:24:28.978" v="243"/>
+        <pc:sldMkLst>
+          <pc:docMk/>
+          <pc:sldMk cId="4221846123" sldId="269"/>
+        </pc:sldMkLst>
+        <pc:spChg chg="mod">
+          <ac:chgData name="gabriel henrique linke" userId="d45aaf7a94bb190e" providerId="Windows Live" clId="Web-{FF185DB6-C50A-410E-B6D2-F478E1D77624}" dt="2019-11-25T04:24:22.431" v="240" actId="20577"/>
+          <ac:spMkLst>
+            <pc:docMk/>
+            <pc:sldMk cId="4221846123" sldId="269"/>
+            <ac:spMk id="2" creationId="{C956D914-613C-4232-A4BC-60E6AFC4F7C1}"/>
+          </ac:spMkLst>
+        </pc:spChg>
+        <pc:spChg chg="del">
+          <ac:chgData name="gabriel henrique linke" userId="d45aaf7a94bb190e" providerId="Windows Live" clId="Web-{FF185DB6-C50A-410E-B6D2-F478E1D77624}" dt="2019-11-25T04:24:28.978" v="243"/>
+          <ac:spMkLst>
+            <pc:docMk/>
+            <pc:sldMk cId="4221846123" sldId="269"/>
+            <ac:spMk id="3" creationId="{F312FA68-9727-4E46-A4F4-CED3E727465B}"/>
+          </ac:spMkLst>
+        </pc:spChg>
+        <pc:picChg chg="add mod ord">
+          <ac:chgData name="gabriel henrique linke" userId="d45aaf7a94bb190e" providerId="Windows Live" clId="Web-{FF185DB6-C50A-410E-B6D2-F478E1D77624}" dt="2019-11-25T04:24:28.978" v="243"/>
+          <ac:picMkLst>
+            <pc:docMk/>
+            <pc:sldMk cId="4221846123" sldId="269"/>
+            <ac:picMk id="4" creationId="{D961188F-88EE-4F76-8A67-A14A85773F92}"/>
+          </ac:picMkLst>
+        </pc:picChg>
+      </pc:sldChg>
+      <pc:sldChg chg="new">
+        <pc:chgData name="gabriel henrique linke" userId="d45aaf7a94bb190e" providerId="Windows Live" clId="Web-{FF185DB6-C50A-410E-B6D2-F478E1D77624}" dt="2019-11-25T04:25:05.714" v="244"/>
+        <pc:sldMkLst>
+          <pc:docMk/>
+          <pc:sldMk cId="3993959969" sldId="270"/>
+        </pc:sldMkLst>
+      </pc:sldChg>
+    </pc:docChg>
+  </pc:docChgLst>
+</pc:chgInfo>
 </file>
 
 <file path=ppt/slideLayouts/slideLayout1.xml><?xml version="1.0" encoding="utf-8"?>
@@ -150,10 +515,9 @@
           <a:lstStyle/>
           <a:p>
             <a:r>
-              <a:rPr lang="pt-BR" smtClean="0"/>
+              <a:rPr lang="pt-BR"/>
               <a:t>Clique para editar o estilo do título mestre</a:t>
             </a:r>
-            <a:endParaRPr lang="pt-BR"/>
           </a:p>
         </p:txBody>
       </p:sp>
@@ -269,10 +633,9 @@
           </a:lstStyle>
           <a:p>
             <a:r>
-              <a:rPr lang="pt-BR" smtClean="0"/>
+              <a:rPr lang="pt-BR"/>
               <a:t>Clique para editar o estilo do subtítulo mestre</a:t>
             </a:r>
-            <a:endParaRPr lang="pt-BR"/>
           </a:p>
         </p:txBody>
       </p:sp>
@@ -293,7 +656,7 @@
           <a:p>
             <a:fld id="{340E61D1-5A19-47D6-A5BD-A261B7628674}" type="datetimeFigureOut">
               <a:rPr lang="pt-BR" smtClean="0"/>
-              <a:t>23/11/2019</a:t>
+              <a:t>24/11/2019</a:t>
             </a:fld>
             <a:endParaRPr lang="pt-BR"/>
           </a:p>
@@ -382,10 +745,9 @@
           <a:lstStyle/>
           <a:p>
             <a:r>
-              <a:rPr lang="pt-BR" smtClean="0"/>
+              <a:rPr lang="pt-BR"/>
               <a:t>Clique para editar o estilo do título mestre</a:t>
             </a:r>
-            <a:endParaRPr lang="pt-BR"/>
           </a:p>
         </p:txBody>
       </p:sp>
@@ -406,38 +768,37 @@
           <a:p>
             <a:pPr lvl="0"/>
             <a:r>
-              <a:rPr lang="pt-BR" smtClean="0"/>
+              <a:rPr lang="pt-BR"/>
               <a:t>Clique para editar os estilos do texto mestre</a:t>
             </a:r>
           </a:p>
           <a:p>
             <a:pPr lvl="1"/>
             <a:r>
-              <a:rPr lang="pt-BR" smtClean="0"/>
+              <a:rPr lang="pt-BR"/>
               <a:t>Segundo nível</a:t>
             </a:r>
           </a:p>
           <a:p>
             <a:pPr lvl="2"/>
             <a:r>
-              <a:rPr lang="pt-BR" smtClean="0"/>
+              <a:rPr lang="pt-BR"/>
               <a:t>Terceiro nível</a:t>
             </a:r>
           </a:p>
           <a:p>
             <a:pPr lvl="3"/>
             <a:r>
-              <a:rPr lang="pt-BR" smtClean="0"/>
+              <a:rPr lang="pt-BR"/>
               <a:t>Quarto nível</a:t>
             </a:r>
           </a:p>
           <a:p>
             <a:pPr lvl="4"/>
             <a:r>
-              <a:rPr lang="pt-BR" smtClean="0"/>
+              <a:rPr lang="pt-BR"/>
               <a:t>Quinto nível</a:t>
             </a:r>
-            <a:endParaRPr lang="pt-BR"/>
           </a:p>
         </p:txBody>
       </p:sp>
@@ -458,7 +819,7 @@
           <a:p>
             <a:fld id="{340E61D1-5A19-47D6-A5BD-A261B7628674}" type="datetimeFigureOut">
               <a:rPr lang="pt-BR" smtClean="0"/>
-              <a:t>23/11/2019</a:t>
+              <a:t>24/11/2019</a:t>
             </a:fld>
             <a:endParaRPr lang="pt-BR"/>
           </a:p>
@@ -552,10 +913,9 @@
           <a:lstStyle/>
           <a:p>
             <a:r>
-              <a:rPr lang="pt-BR" smtClean="0"/>
+              <a:rPr lang="pt-BR"/>
               <a:t>Clique para editar o estilo do título mestre</a:t>
             </a:r>
-            <a:endParaRPr lang="pt-BR"/>
           </a:p>
         </p:txBody>
       </p:sp>
@@ -581,38 +941,37 @@
           <a:p>
             <a:pPr lvl="0"/>
             <a:r>
-              <a:rPr lang="pt-BR" smtClean="0"/>
+              <a:rPr lang="pt-BR"/>
               <a:t>Clique para editar os estilos do texto mestre</a:t>
             </a:r>
           </a:p>
           <a:p>
             <a:pPr lvl="1"/>
             <a:r>
-              <a:rPr lang="pt-BR" smtClean="0"/>
+              <a:rPr lang="pt-BR"/>
               <a:t>Segundo nível</a:t>
             </a:r>
           </a:p>
           <a:p>
             <a:pPr lvl="2"/>
             <a:r>
-              <a:rPr lang="pt-BR" smtClean="0"/>
+              <a:rPr lang="pt-BR"/>
               <a:t>Terceiro nível</a:t>
             </a:r>
           </a:p>
           <a:p>
             <a:pPr lvl="3"/>
             <a:r>
-              <a:rPr lang="pt-BR" smtClean="0"/>
+              <a:rPr lang="pt-BR"/>
               <a:t>Quarto nível</a:t>
             </a:r>
           </a:p>
           <a:p>
             <a:pPr lvl="4"/>
             <a:r>
-              <a:rPr lang="pt-BR" smtClean="0"/>
+              <a:rPr lang="pt-BR"/>
               <a:t>Quinto nível</a:t>
             </a:r>
-            <a:endParaRPr lang="pt-BR"/>
           </a:p>
         </p:txBody>
       </p:sp>
@@ -633,7 +992,7 @@
           <a:p>
             <a:fld id="{340E61D1-5A19-47D6-A5BD-A261B7628674}" type="datetimeFigureOut">
               <a:rPr lang="pt-BR" smtClean="0"/>
-              <a:t>23/11/2019</a:t>
+              <a:t>24/11/2019</a:t>
             </a:fld>
             <a:endParaRPr lang="pt-BR"/>
           </a:p>
@@ -722,10 +1081,9 @@
           <a:lstStyle/>
           <a:p>
             <a:r>
-              <a:rPr lang="pt-BR" smtClean="0"/>
+              <a:rPr lang="pt-BR"/>
               <a:t>Clique para editar o estilo do título mestre</a:t>
             </a:r>
-            <a:endParaRPr lang="pt-BR"/>
           </a:p>
         </p:txBody>
       </p:sp>
@@ -746,38 +1104,37 @@
           <a:p>
             <a:pPr lvl="0"/>
             <a:r>
-              <a:rPr lang="pt-BR" smtClean="0"/>
+              <a:rPr lang="pt-BR"/>
               <a:t>Clique para editar os estilos do texto mestre</a:t>
             </a:r>
           </a:p>
           <a:p>
             <a:pPr lvl="1"/>
             <a:r>
-              <a:rPr lang="pt-BR" smtClean="0"/>
+              <a:rPr lang="pt-BR"/>
               <a:t>Segundo nível</a:t>
             </a:r>
           </a:p>
           <a:p>
             <a:pPr lvl="2"/>
             <a:r>
-              <a:rPr lang="pt-BR" smtClean="0"/>
+              <a:rPr lang="pt-BR"/>
               <a:t>Terceiro nível</a:t>
             </a:r>
           </a:p>
           <a:p>
             <a:pPr lvl="3"/>
             <a:r>
-              <a:rPr lang="pt-BR" smtClean="0"/>
+              <a:rPr lang="pt-BR"/>
               <a:t>Quarto nível</a:t>
             </a:r>
           </a:p>
           <a:p>
             <a:pPr lvl="4"/>
             <a:r>
-              <a:rPr lang="pt-BR" smtClean="0"/>
+              <a:rPr lang="pt-BR"/>
               <a:t>Quinto nível</a:t>
             </a:r>
-            <a:endParaRPr lang="pt-BR"/>
           </a:p>
         </p:txBody>
       </p:sp>
@@ -798,7 +1155,7 @@
           <a:p>
             <a:fld id="{340E61D1-5A19-47D6-A5BD-A261B7628674}" type="datetimeFigureOut">
               <a:rPr lang="pt-BR" smtClean="0"/>
-              <a:t>23/11/2019</a:t>
+              <a:t>24/11/2019</a:t>
             </a:fld>
             <a:endParaRPr lang="pt-BR"/>
           </a:p>
@@ -896,10 +1253,9 @@
           </a:lstStyle>
           <a:p>
             <a:r>
-              <a:rPr lang="pt-BR" smtClean="0"/>
+              <a:rPr lang="pt-BR"/>
               <a:t>Clique para editar o estilo do título mestre</a:t>
             </a:r>
-            <a:endParaRPr lang="pt-BR"/>
           </a:p>
         </p:txBody>
       </p:sp>
@@ -1016,7 +1372,7 @@
           <a:p>
             <a:pPr lvl="0"/>
             <a:r>
-              <a:rPr lang="pt-BR" smtClean="0"/>
+              <a:rPr lang="pt-BR"/>
               <a:t>Clique para editar os estilos do texto mestre</a:t>
             </a:r>
           </a:p>
@@ -1039,7 +1395,7 @@
           <a:p>
             <a:fld id="{340E61D1-5A19-47D6-A5BD-A261B7628674}" type="datetimeFigureOut">
               <a:rPr lang="pt-BR" smtClean="0"/>
-              <a:t>23/11/2019</a:t>
+              <a:t>24/11/2019</a:t>
             </a:fld>
             <a:endParaRPr lang="pt-BR"/>
           </a:p>
@@ -1128,10 +1484,9 @@
           <a:lstStyle/>
           <a:p>
             <a:r>
-              <a:rPr lang="pt-BR" smtClean="0"/>
+              <a:rPr lang="pt-BR"/>
               <a:t>Clique para editar o estilo do título mestre</a:t>
             </a:r>
-            <a:endParaRPr lang="pt-BR"/>
           </a:p>
         </p:txBody>
       </p:sp>
@@ -1185,38 +1540,37 @@
           <a:p>
             <a:pPr lvl="0"/>
             <a:r>
-              <a:rPr lang="pt-BR" smtClean="0"/>
+              <a:rPr lang="pt-BR"/>
               <a:t>Clique para editar os estilos do texto mestre</a:t>
             </a:r>
           </a:p>
           <a:p>
             <a:pPr lvl="1"/>
             <a:r>
-              <a:rPr lang="pt-BR" smtClean="0"/>
+              <a:rPr lang="pt-BR"/>
               <a:t>Segundo nível</a:t>
             </a:r>
           </a:p>
           <a:p>
             <a:pPr lvl="2"/>
             <a:r>
-              <a:rPr lang="pt-BR" smtClean="0"/>
+              <a:rPr lang="pt-BR"/>
               <a:t>Terceiro nível</a:t>
             </a:r>
           </a:p>
           <a:p>
             <a:pPr lvl="3"/>
             <a:r>
-              <a:rPr lang="pt-BR" smtClean="0"/>
+              <a:rPr lang="pt-BR"/>
               <a:t>Quarto nível</a:t>
             </a:r>
           </a:p>
           <a:p>
             <a:pPr lvl="4"/>
             <a:r>
-              <a:rPr lang="pt-BR" smtClean="0"/>
+              <a:rPr lang="pt-BR"/>
               <a:t>Quinto nível</a:t>
             </a:r>
-            <a:endParaRPr lang="pt-BR"/>
           </a:p>
         </p:txBody>
       </p:sp>
@@ -1270,38 +1624,37 @@
           <a:p>
             <a:pPr lvl="0"/>
             <a:r>
-              <a:rPr lang="pt-BR" smtClean="0"/>
+              <a:rPr lang="pt-BR"/>
               <a:t>Clique para editar os estilos do texto mestre</a:t>
             </a:r>
           </a:p>
           <a:p>
             <a:pPr lvl="1"/>
             <a:r>
-              <a:rPr lang="pt-BR" smtClean="0"/>
+              <a:rPr lang="pt-BR"/>
               <a:t>Segundo nível</a:t>
             </a:r>
           </a:p>
           <a:p>
             <a:pPr lvl="2"/>
             <a:r>
-              <a:rPr lang="pt-BR" smtClean="0"/>
+              <a:rPr lang="pt-BR"/>
               <a:t>Terceiro nível</a:t>
             </a:r>
           </a:p>
           <a:p>
             <a:pPr lvl="3"/>
             <a:r>
-              <a:rPr lang="pt-BR" smtClean="0"/>
+              <a:rPr lang="pt-BR"/>
               <a:t>Quarto nível</a:t>
             </a:r>
           </a:p>
           <a:p>
             <a:pPr lvl="4"/>
             <a:r>
-              <a:rPr lang="pt-BR" smtClean="0"/>
+              <a:rPr lang="pt-BR"/>
               <a:t>Quinto nível</a:t>
             </a:r>
-            <a:endParaRPr lang="pt-BR"/>
           </a:p>
         </p:txBody>
       </p:sp>
@@ -1322,7 +1675,7 @@
           <a:p>
             <a:fld id="{340E61D1-5A19-47D6-A5BD-A261B7628674}" type="datetimeFigureOut">
               <a:rPr lang="pt-BR" smtClean="0"/>
-              <a:t>23/11/2019</a:t>
+              <a:t>24/11/2019</a:t>
             </a:fld>
             <a:endParaRPr lang="pt-BR"/>
           </a:p>
@@ -1415,10 +1768,9 @@
           </a:lstStyle>
           <a:p>
             <a:r>
-              <a:rPr lang="pt-BR" smtClean="0"/>
+              <a:rPr lang="pt-BR"/>
               <a:t>Clique para editar o estilo do título mestre</a:t>
             </a:r>
-            <a:endParaRPr lang="pt-BR"/>
           </a:p>
         </p:txBody>
       </p:sp>
@@ -1481,7 +1833,7 @@
           <a:p>
             <a:pPr lvl="0"/>
             <a:r>
-              <a:rPr lang="pt-BR" smtClean="0"/>
+              <a:rPr lang="pt-BR"/>
               <a:t>Clique para editar os estilos do texto mestre</a:t>
             </a:r>
           </a:p>
@@ -1537,38 +1889,37 @@
           <a:p>
             <a:pPr lvl="0"/>
             <a:r>
-              <a:rPr lang="pt-BR" smtClean="0"/>
+              <a:rPr lang="pt-BR"/>
               <a:t>Clique para editar os estilos do texto mestre</a:t>
             </a:r>
           </a:p>
           <a:p>
             <a:pPr lvl="1"/>
             <a:r>
-              <a:rPr lang="pt-BR" smtClean="0"/>
+              <a:rPr lang="pt-BR"/>
               <a:t>Segundo nível</a:t>
             </a:r>
           </a:p>
           <a:p>
             <a:pPr lvl="2"/>
             <a:r>
-              <a:rPr lang="pt-BR" smtClean="0"/>
+              <a:rPr lang="pt-BR"/>
               <a:t>Terceiro nível</a:t>
             </a:r>
           </a:p>
           <a:p>
             <a:pPr lvl="3"/>
             <a:r>
-              <a:rPr lang="pt-BR" smtClean="0"/>
+              <a:rPr lang="pt-BR"/>
               <a:t>Quarto nível</a:t>
             </a:r>
           </a:p>
           <a:p>
             <a:pPr lvl="4"/>
             <a:r>
-              <a:rPr lang="pt-BR" smtClean="0"/>
+              <a:rPr lang="pt-BR"/>
               <a:t>Quinto nível</a:t>
             </a:r>
-            <a:endParaRPr lang="pt-BR"/>
           </a:p>
         </p:txBody>
       </p:sp>
@@ -1631,7 +1982,7 @@
           <a:p>
             <a:pPr lvl="0"/>
             <a:r>
-              <a:rPr lang="pt-BR" smtClean="0"/>
+              <a:rPr lang="pt-BR"/>
               <a:t>Clique para editar os estilos do texto mestre</a:t>
             </a:r>
           </a:p>
@@ -1687,38 +2038,37 @@
           <a:p>
             <a:pPr lvl="0"/>
             <a:r>
-              <a:rPr lang="pt-BR" smtClean="0"/>
+              <a:rPr lang="pt-BR"/>
               <a:t>Clique para editar os estilos do texto mestre</a:t>
             </a:r>
           </a:p>
           <a:p>
             <a:pPr lvl="1"/>
             <a:r>
-              <a:rPr lang="pt-BR" smtClean="0"/>
+              <a:rPr lang="pt-BR"/>
               <a:t>Segundo nível</a:t>
             </a:r>
           </a:p>
           <a:p>
             <a:pPr lvl="2"/>
             <a:r>
-              <a:rPr lang="pt-BR" smtClean="0"/>
+              <a:rPr lang="pt-BR"/>
               <a:t>Terceiro nível</a:t>
             </a:r>
           </a:p>
           <a:p>
             <a:pPr lvl="3"/>
             <a:r>
-              <a:rPr lang="pt-BR" smtClean="0"/>
+              <a:rPr lang="pt-BR"/>
               <a:t>Quarto nível</a:t>
             </a:r>
           </a:p>
           <a:p>
             <a:pPr lvl="4"/>
             <a:r>
-              <a:rPr lang="pt-BR" smtClean="0"/>
+              <a:rPr lang="pt-BR"/>
               <a:t>Quinto nível</a:t>
             </a:r>
-            <a:endParaRPr lang="pt-BR"/>
           </a:p>
         </p:txBody>
       </p:sp>
@@ -1739,7 +2089,7 @@
           <a:p>
             <a:fld id="{340E61D1-5A19-47D6-A5BD-A261B7628674}" type="datetimeFigureOut">
               <a:rPr lang="pt-BR" smtClean="0"/>
-              <a:t>23/11/2019</a:t>
+              <a:t>24/11/2019</a:t>
             </a:fld>
             <a:endParaRPr lang="pt-BR"/>
           </a:p>
@@ -1828,10 +2178,9 @@
           <a:lstStyle/>
           <a:p>
             <a:r>
-              <a:rPr lang="pt-BR" smtClean="0"/>
+              <a:rPr lang="pt-BR"/>
               <a:t>Clique para editar o estilo do título mestre</a:t>
             </a:r>
-            <a:endParaRPr lang="pt-BR"/>
           </a:p>
         </p:txBody>
       </p:sp>
@@ -1852,7 +2201,7 @@
           <a:p>
             <a:fld id="{340E61D1-5A19-47D6-A5BD-A261B7628674}" type="datetimeFigureOut">
               <a:rPr lang="pt-BR" smtClean="0"/>
-              <a:t>23/11/2019</a:t>
+              <a:t>24/11/2019</a:t>
             </a:fld>
             <a:endParaRPr lang="pt-BR"/>
           </a:p>
@@ -1942,7 +2291,7 @@
           <a:p>
             <a:fld id="{340E61D1-5A19-47D6-A5BD-A261B7628674}" type="datetimeFigureOut">
               <a:rPr lang="pt-BR" smtClean="0"/>
-              <a:t>23/11/2019</a:t>
+              <a:t>24/11/2019</a:t>
             </a:fld>
             <a:endParaRPr lang="pt-BR"/>
           </a:p>
@@ -2040,10 +2389,9 @@
           </a:lstStyle>
           <a:p>
             <a:r>
-              <a:rPr lang="pt-BR" smtClean="0"/>
+              <a:rPr lang="pt-BR"/>
               <a:t>Clique para editar o estilo do título mestre</a:t>
             </a:r>
-            <a:endParaRPr lang="pt-BR"/>
           </a:p>
         </p:txBody>
       </p:sp>
@@ -2097,38 +2445,37 @@
           <a:p>
             <a:pPr lvl="0"/>
             <a:r>
-              <a:rPr lang="pt-BR" smtClean="0"/>
+              <a:rPr lang="pt-BR"/>
               <a:t>Clique para editar os estilos do texto mestre</a:t>
             </a:r>
           </a:p>
           <a:p>
             <a:pPr lvl="1"/>
             <a:r>
-              <a:rPr lang="pt-BR" smtClean="0"/>
+              <a:rPr lang="pt-BR"/>
               <a:t>Segundo nível</a:t>
             </a:r>
           </a:p>
           <a:p>
             <a:pPr lvl="2"/>
             <a:r>
-              <a:rPr lang="pt-BR" smtClean="0"/>
+              <a:rPr lang="pt-BR"/>
               <a:t>Terceiro nível</a:t>
             </a:r>
           </a:p>
           <a:p>
             <a:pPr lvl="3"/>
             <a:r>
-              <a:rPr lang="pt-BR" smtClean="0"/>
+              <a:rPr lang="pt-BR"/>
               <a:t>Quarto nível</a:t>
             </a:r>
           </a:p>
           <a:p>
             <a:pPr lvl="4"/>
             <a:r>
-              <a:rPr lang="pt-BR" smtClean="0"/>
+              <a:rPr lang="pt-BR"/>
               <a:t>Quinto nível</a:t>
             </a:r>
-            <a:endParaRPr lang="pt-BR"/>
           </a:p>
         </p:txBody>
       </p:sp>
@@ -2191,7 +2538,7 @@
           <a:p>
             <a:pPr lvl="0"/>
             <a:r>
-              <a:rPr lang="pt-BR" smtClean="0"/>
+              <a:rPr lang="pt-BR"/>
               <a:t>Clique para editar os estilos do texto mestre</a:t>
             </a:r>
           </a:p>
@@ -2214,7 +2561,7 @@
           <a:p>
             <a:fld id="{340E61D1-5A19-47D6-A5BD-A261B7628674}" type="datetimeFigureOut">
               <a:rPr lang="pt-BR" smtClean="0"/>
-              <a:t>23/11/2019</a:t>
+              <a:t>24/11/2019</a:t>
             </a:fld>
             <a:endParaRPr lang="pt-BR"/>
           </a:p>
@@ -2312,10 +2659,9 @@
           </a:lstStyle>
           <a:p>
             <a:r>
-              <a:rPr lang="pt-BR" smtClean="0"/>
+              <a:rPr lang="pt-BR"/>
               <a:t>Clique para editar o estilo do título mestre</a:t>
             </a:r>
-            <a:endParaRPr lang="pt-BR"/>
           </a:p>
         </p:txBody>
       </p:sp>
@@ -2439,7 +2785,7 @@
           <a:p>
             <a:pPr lvl="0"/>
             <a:r>
-              <a:rPr lang="pt-BR" smtClean="0"/>
+              <a:rPr lang="pt-BR"/>
               <a:t>Clique para editar os estilos do texto mestre</a:t>
             </a:r>
           </a:p>
@@ -2462,7 +2808,7 @@
           <a:p>
             <a:fld id="{340E61D1-5A19-47D6-A5BD-A261B7628674}" type="datetimeFigureOut">
               <a:rPr lang="pt-BR" smtClean="0"/>
-              <a:t>23/11/2019</a:t>
+              <a:t>24/11/2019</a:t>
             </a:fld>
             <a:endParaRPr lang="pt-BR"/>
           </a:p>
@@ -2566,10 +2912,9 @@
           <a:lstStyle/>
           <a:p>
             <a:r>
-              <a:rPr lang="pt-BR" smtClean="0"/>
+              <a:rPr lang="pt-BR"/>
               <a:t>Clique para editar o estilo do título mestre</a:t>
             </a:r>
-            <a:endParaRPr lang="pt-BR"/>
           </a:p>
         </p:txBody>
       </p:sp>
@@ -2600,38 +2945,37 @@
           <a:p>
             <a:pPr lvl="0"/>
             <a:r>
-              <a:rPr lang="pt-BR" smtClean="0"/>
+              <a:rPr lang="pt-BR"/>
               <a:t>Clique para editar os estilos do texto mestre</a:t>
             </a:r>
           </a:p>
           <a:p>
             <a:pPr lvl="1"/>
             <a:r>
-              <a:rPr lang="pt-BR" smtClean="0"/>
+              <a:rPr lang="pt-BR"/>
               <a:t>Segundo nível</a:t>
             </a:r>
           </a:p>
           <a:p>
             <a:pPr lvl="2"/>
             <a:r>
-              <a:rPr lang="pt-BR" smtClean="0"/>
+              <a:rPr lang="pt-BR"/>
               <a:t>Terceiro nível</a:t>
             </a:r>
           </a:p>
           <a:p>
             <a:pPr lvl="3"/>
             <a:r>
-              <a:rPr lang="pt-BR" smtClean="0"/>
+              <a:rPr lang="pt-BR"/>
               <a:t>Quarto nível</a:t>
             </a:r>
           </a:p>
           <a:p>
             <a:pPr lvl="4"/>
             <a:r>
-              <a:rPr lang="pt-BR" smtClean="0"/>
+              <a:rPr lang="pt-BR"/>
               <a:t>Quinto nível</a:t>
             </a:r>
-            <a:endParaRPr lang="pt-BR"/>
           </a:p>
         </p:txBody>
       </p:sp>
@@ -2670,7 +3014,7 @@
           <a:p>
             <a:fld id="{340E61D1-5A19-47D6-A5BD-A261B7628674}" type="datetimeFigureOut">
               <a:rPr lang="pt-BR" smtClean="0"/>
-              <a:t>23/11/2019</a:t>
+              <a:t>24/11/2019</a:t>
             </a:fld>
             <a:endParaRPr lang="pt-BR"/>
           </a:p>
@@ -3061,7 +3405,7 @@
           <a:lstStyle/>
           <a:p>
             <a:r>
-              <a:rPr lang="pt-BR" dirty="0" err="1" smtClean="0"/>
+              <a:rPr lang="pt-BR" dirty="0" err="1"/>
               <a:t>Lemurya</a:t>
             </a:r>
             <a:endParaRPr lang="pt-BR" dirty="0"/>
@@ -3089,10 +3433,9 @@
           <a:lstStyle/>
           <a:p>
             <a:r>
-              <a:rPr lang="pt-BR" dirty="0" smtClean="0"/>
+              <a:rPr lang="pt-BR" dirty="0"/>
               <a:t>Trabalho acadêmico de técnicas de programação.</a:t>
             </a:r>
-            <a:endParaRPr lang="pt-BR" dirty="0"/>
           </a:p>
         </p:txBody>
       </p:sp>
@@ -3119,21 +3462,526 @@
           <a:lstStyle/>
           <a:p>
             <a:r>
-              <a:rPr lang="pt-BR" dirty="0" smtClean="0"/>
+              <a:rPr lang="pt-BR" dirty="0"/>
               <a:t>Gabriel Henrique </a:t>
             </a:r>
             <a:r>
-              <a:rPr lang="pt-BR" dirty="0" err="1" smtClean="0"/>
+              <a:rPr lang="pt-BR" dirty="0" err="1"/>
               <a:t>Linke</a:t>
             </a:r>
-            <a:endParaRPr lang="pt-BR" dirty="0" smtClean="0"/>
-          </a:p>
-          <a:p>
-            <a:r>
-              <a:rPr lang="pt-BR" dirty="0" smtClean="0"/>
+            <a:endParaRPr lang="pt-BR" dirty="0"/>
+          </a:p>
+          <a:p>
+            <a:r>
+              <a:rPr lang="pt-BR" dirty="0"/>
               <a:t>Pedro Sodré dos Santos</a:t>
             </a:r>
+          </a:p>
+        </p:txBody>
+      </p:sp>
+    </p:spTree>
+  </p:cSld>
+  <p:clrMapOvr>
+    <a:masterClrMapping/>
+  </p:clrMapOvr>
+</p:sld>
+</file>
+
+<file path=ppt/slides/slide10.xml><?xml version="1.0" encoding="utf-8"?>
+<p:sld xmlns:a="http://schemas.openxmlformats.org/drawingml/2006/main" xmlns:r="http://schemas.openxmlformats.org/officeDocument/2006/relationships" xmlns:p="http://schemas.openxmlformats.org/presentationml/2006/main">
+  <p:cSld>
+    <p:spTree>
+      <p:nvGrpSpPr>
+        <p:cNvPr id="1" name=""/>
+        <p:cNvGrpSpPr/>
+        <p:nvPr/>
+      </p:nvGrpSpPr>
+      <p:grpSpPr>
+        <a:xfrm>
+          <a:off x="0" y="0"/>
+          <a:ext cx="0" cy="0"/>
+          <a:chOff x="0" y="0"/>
+          <a:chExt cx="0" cy="0"/>
+        </a:xfrm>
+      </p:grpSpPr>
+      <p:sp>
+        <p:nvSpPr>
+          <p:cNvPr id="2" name="Título 1">
+            <a:extLst>
+              <a:ext uri="{FF2B5EF4-FFF2-40B4-BE49-F238E27FC236}">
+                <a16:creationId xmlns:a16="http://schemas.microsoft.com/office/drawing/2014/main" id="{47B6C1FA-479C-4CC7-92D9-9EAAE42254DE}"/>
+              </a:ext>
+            </a:extLst>
+          </p:cNvPr>
+          <p:cNvSpPr>
+            <a:spLocks noGrp="1"/>
+          </p:cNvSpPr>
+          <p:nvPr>
+            <p:ph type="title"/>
+          </p:nvPr>
+        </p:nvSpPr>
+        <p:spPr/>
+        <p:txBody>
+          <a:bodyPr/>
+          <a:lstStyle/>
+          <a:p>
+            <a:r>
+              <a:rPr lang="pt-BR" dirty="0">
+                <a:cs typeface="Calibri"/>
+              </a:rPr>
+              <a:t>Adicionados inimigos</a:t>
+            </a:r>
             <a:endParaRPr lang="pt-BR" dirty="0"/>
+          </a:p>
+        </p:txBody>
+      </p:sp>
+      <p:pic>
+        <p:nvPicPr>
+          <p:cNvPr id="4" name="Imagem 4" descr="Uma imagem contendo foto, coberto, pássaro, colorido&#10;&#10;Descrição gerada com muito alta confiança">
+            <a:extLst>
+              <a:ext uri="{FF2B5EF4-FFF2-40B4-BE49-F238E27FC236}">
+                <a16:creationId xmlns:a16="http://schemas.microsoft.com/office/drawing/2014/main" id="{0B1B02C8-C16D-4118-9C5F-E0C5CE3BFC8E}"/>
+              </a:ext>
+            </a:extLst>
+          </p:cNvPr>
+          <p:cNvPicPr>
+            <a:picLocks noGrp="1" noChangeAspect="1"/>
+          </p:cNvPicPr>
+          <p:nvPr>
+            <p:ph idx="1"/>
+          </p:nvPr>
+        </p:nvPicPr>
+        <p:blipFill>
+          <a:blip r:embed="rId2"/>
+          <a:stretch>
+            <a:fillRect/>
+          </a:stretch>
+        </p:blipFill>
+        <p:spPr>
+          <a:xfrm>
+            <a:off x="457200" y="1735058"/>
+            <a:ext cx="8229600" cy="4256246"/>
+          </a:xfrm>
+        </p:spPr>
+      </p:pic>
+    </p:spTree>
+    <p:extLst>
+      <p:ext uri="{BB962C8B-B14F-4D97-AF65-F5344CB8AC3E}">
+        <p14:creationId xmlns:p14="http://schemas.microsoft.com/office/powerpoint/2010/main" val="885815498"/>
+      </p:ext>
+    </p:extLst>
+  </p:cSld>
+  <p:clrMapOvr>
+    <a:masterClrMapping/>
+  </p:clrMapOvr>
+</p:sld>
+</file>
+
+<file path=ppt/slides/slide11.xml><?xml version="1.0" encoding="utf-8"?>
+<p:sld xmlns:a="http://schemas.openxmlformats.org/drawingml/2006/main" xmlns:r="http://schemas.openxmlformats.org/officeDocument/2006/relationships" xmlns:p="http://schemas.openxmlformats.org/presentationml/2006/main">
+  <p:cSld>
+    <p:spTree>
+      <p:nvGrpSpPr>
+        <p:cNvPr id="1" name=""/>
+        <p:cNvGrpSpPr/>
+        <p:nvPr/>
+      </p:nvGrpSpPr>
+      <p:grpSpPr>
+        <a:xfrm>
+          <a:off x="0" y="0"/>
+          <a:ext cx="0" cy="0"/>
+          <a:chOff x="0" y="0"/>
+          <a:chExt cx="0" cy="0"/>
+        </a:xfrm>
+      </p:grpSpPr>
+      <p:sp>
+        <p:nvSpPr>
+          <p:cNvPr id="2" name="Título 1">
+            <a:extLst>
+              <a:ext uri="{FF2B5EF4-FFF2-40B4-BE49-F238E27FC236}">
+                <a16:creationId xmlns:a16="http://schemas.microsoft.com/office/drawing/2014/main" id="{BAC84E0D-B569-4EA5-A363-22F51D84A63A}"/>
+              </a:ext>
+            </a:extLst>
+          </p:cNvPr>
+          <p:cNvSpPr>
+            <a:spLocks noGrp="1"/>
+          </p:cNvSpPr>
+          <p:nvPr>
+            <p:ph type="title"/>
+          </p:nvPr>
+        </p:nvSpPr>
+        <p:spPr/>
+        <p:txBody>
+          <a:bodyPr/>
+          <a:lstStyle/>
+          <a:p>
+            <a:r>
+              <a:rPr lang="pt-BR" dirty="0">
+                <a:cs typeface="Calibri"/>
+              </a:rPr>
+              <a:t>Adicionado o primeiro menu</a:t>
+            </a:r>
+            <a:endParaRPr lang="pt-BR" dirty="0"/>
+          </a:p>
+        </p:txBody>
+      </p:sp>
+      <p:pic>
+        <p:nvPicPr>
+          <p:cNvPr id="4" name="Imagem 4" descr="Tela de celular com texto preto sobre fundo branco&#10;&#10;Descrição gerada com alta confiança">
+            <a:extLst>
+              <a:ext uri="{FF2B5EF4-FFF2-40B4-BE49-F238E27FC236}">
+                <a16:creationId xmlns:a16="http://schemas.microsoft.com/office/drawing/2014/main" id="{F47C6719-7262-4E58-B18C-51321C65DEA6}"/>
+              </a:ext>
+            </a:extLst>
+          </p:cNvPr>
+          <p:cNvPicPr>
+            <a:picLocks noGrp="1" noChangeAspect="1"/>
+          </p:cNvPicPr>
+          <p:nvPr>
+            <p:ph idx="1"/>
+          </p:nvPr>
+        </p:nvPicPr>
+        <p:blipFill>
+          <a:blip r:embed="rId2"/>
+          <a:stretch>
+            <a:fillRect/>
+          </a:stretch>
+        </p:blipFill>
+        <p:spPr>
+          <a:xfrm>
+            <a:off x="457200" y="1728629"/>
+            <a:ext cx="8229600" cy="4269105"/>
+          </a:xfrm>
+        </p:spPr>
+      </p:pic>
+    </p:spTree>
+    <p:extLst>
+      <p:ext uri="{BB962C8B-B14F-4D97-AF65-F5344CB8AC3E}">
+        <p14:creationId xmlns:p14="http://schemas.microsoft.com/office/powerpoint/2010/main" val="913792203"/>
+      </p:ext>
+    </p:extLst>
+  </p:cSld>
+  <p:clrMapOvr>
+    <a:masterClrMapping/>
+  </p:clrMapOvr>
+</p:sld>
+</file>
+
+<file path=ppt/slides/slide12.xml><?xml version="1.0" encoding="utf-8"?>
+<p:sld xmlns:a="http://schemas.openxmlformats.org/drawingml/2006/main" xmlns:r="http://schemas.openxmlformats.org/officeDocument/2006/relationships" xmlns:p="http://schemas.openxmlformats.org/presentationml/2006/main">
+  <p:cSld>
+    <p:spTree>
+      <p:nvGrpSpPr>
+        <p:cNvPr id="1" name=""/>
+        <p:cNvGrpSpPr/>
+        <p:nvPr/>
+      </p:nvGrpSpPr>
+      <p:grpSpPr>
+        <a:xfrm>
+          <a:off x="0" y="0"/>
+          <a:ext cx="0" cy="0"/>
+          <a:chOff x="0" y="0"/>
+          <a:chExt cx="0" cy="0"/>
+        </a:xfrm>
+      </p:grpSpPr>
+      <p:sp>
+        <p:nvSpPr>
+          <p:cNvPr id="2" name="Título 1">
+            <a:extLst>
+              <a:ext uri="{FF2B5EF4-FFF2-40B4-BE49-F238E27FC236}">
+                <a16:creationId xmlns:a16="http://schemas.microsoft.com/office/drawing/2014/main" id="{9E48CA41-9E8B-41AA-B613-D6823ACD1E85}"/>
+              </a:ext>
+            </a:extLst>
+          </p:cNvPr>
+          <p:cNvSpPr>
+            <a:spLocks noGrp="1"/>
+          </p:cNvSpPr>
+          <p:nvPr>
+            <p:ph type="title"/>
+          </p:nvPr>
+        </p:nvSpPr>
+        <p:spPr/>
+        <p:txBody>
+          <a:bodyPr/>
+          <a:lstStyle/>
+          <a:p>
+            <a:r>
+              <a:rPr lang="pt-BR" dirty="0">
+                <a:cs typeface="Calibri"/>
+              </a:rPr>
+              <a:t>Adicionado projétil</a:t>
+            </a:r>
+            <a:endParaRPr lang="pt-BR" dirty="0"/>
+          </a:p>
+        </p:txBody>
+      </p:sp>
+      <p:pic>
+        <p:nvPicPr>
+          <p:cNvPr id="4" name="Imagem 4" descr="Uma imagem contendo foto, rua, mesa, pássaro&#10;&#10;Descrição gerada com muito alta confiança">
+            <a:extLst>
+              <a:ext uri="{FF2B5EF4-FFF2-40B4-BE49-F238E27FC236}">
+                <a16:creationId xmlns:a16="http://schemas.microsoft.com/office/drawing/2014/main" id="{97CE5036-9397-4F8B-B44B-B4522D4362C7}"/>
+              </a:ext>
+            </a:extLst>
+          </p:cNvPr>
+          <p:cNvPicPr>
+            <a:picLocks noGrp="1" noChangeAspect="1"/>
+          </p:cNvPicPr>
+          <p:nvPr>
+            <p:ph idx="1"/>
+          </p:nvPr>
+        </p:nvPicPr>
+        <p:blipFill>
+          <a:blip r:embed="rId2"/>
+          <a:stretch>
+            <a:fillRect/>
+          </a:stretch>
+        </p:blipFill>
+        <p:spPr>
+          <a:xfrm>
+            <a:off x="457200" y="1724343"/>
+            <a:ext cx="8229600" cy="4277678"/>
+          </a:xfrm>
+        </p:spPr>
+      </p:pic>
+    </p:spTree>
+    <p:extLst>
+      <p:ext uri="{BB962C8B-B14F-4D97-AF65-F5344CB8AC3E}">
+        <p14:creationId xmlns:p14="http://schemas.microsoft.com/office/powerpoint/2010/main" val="3661558726"/>
+      </p:ext>
+    </p:extLst>
+  </p:cSld>
+  <p:clrMapOvr>
+    <a:masterClrMapping/>
+  </p:clrMapOvr>
+</p:sld>
+</file>
+
+<file path=ppt/slides/slide13.xml><?xml version="1.0" encoding="utf-8"?>
+<p:sld xmlns:a="http://schemas.openxmlformats.org/drawingml/2006/main" xmlns:r="http://schemas.openxmlformats.org/officeDocument/2006/relationships" xmlns:p="http://schemas.openxmlformats.org/presentationml/2006/main">
+  <p:cSld>
+    <p:spTree>
+      <p:nvGrpSpPr>
+        <p:cNvPr id="1" name=""/>
+        <p:cNvGrpSpPr/>
+        <p:nvPr/>
+      </p:nvGrpSpPr>
+      <p:grpSpPr>
+        <a:xfrm>
+          <a:off x="0" y="0"/>
+          <a:ext cx="0" cy="0"/>
+          <a:chOff x="0" y="0"/>
+          <a:chExt cx="0" cy="0"/>
+        </a:xfrm>
+      </p:grpSpPr>
+      <p:sp>
+        <p:nvSpPr>
+          <p:cNvPr id="2" name="Título 1">
+            <a:extLst>
+              <a:ext uri="{FF2B5EF4-FFF2-40B4-BE49-F238E27FC236}">
+                <a16:creationId xmlns:a16="http://schemas.microsoft.com/office/drawing/2014/main" id="{C956D914-613C-4232-A4BC-60E6AFC4F7C1}"/>
+              </a:ext>
+            </a:extLst>
+          </p:cNvPr>
+          <p:cNvSpPr>
+            <a:spLocks noGrp="1"/>
+          </p:cNvSpPr>
+          <p:nvPr>
+            <p:ph type="title"/>
+          </p:nvPr>
+        </p:nvSpPr>
+        <p:spPr/>
+        <p:txBody>
+          <a:bodyPr/>
+          <a:lstStyle/>
+          <a:p>
+            <a:r>
+              <a:rPr lang="pt-BR" dirty="0">
+                <a:cs typeface="Calibri"/>
+              </a:rPr>
+              <a:t>Adicionada pontuação</a:t>
+            </a:r>
+            <a:endParaRPr lang="pt-BR" dirty="0"/>
+          </a:p>
+        </p:txBody>
+      </p:sp>
+      <p:pic>
+        <p:nvPicPr>
+          <p:cNvPr id="4" name="Imagem 4" descr="Uma imagem contendo mesa, foto, rua, colorido&#10;&#10;Descrição gerada com muito alta confiança">
+            <a:extLst>
+              <a:ext uri="{FF2B5EF4-FFF2-40B4-BE49-F238E27FC236}">
+                <a16:creationId xmlns:a16="http://schemas.microsoft.com/office/drawing/2014/main" id="{D961188F-88EE-4F76-8A67-A14A85773F92}"/>
+              </a:ext>
+            </a:extLst>
+          </p:cNvPr>
+          <p:cNvPicPr>
+            <a:picLocks noGrp="1" noChangeAspect="1"/>
+          </p:cNvPicPr>
+          <p:nvPr>
+            <p:ph idx="1"/>
+          </p:nvPr>
+        </p:nvPicPr>
+        <p:blipFill>
+          <a:blip r:embed="rId2"/>
+          <a:stretch>
+            <a:fillRect/>
+          </a:stretch>
+        </p:blipFill>
+        <p:spPr>
+          <a:xfrm>
+            <a:off x="457200" y="1724343"/>
+            <a:ext cx="8229600" cy="4277678"/>
+          </a:xfrm>
+        </p:spPr>
+      </p:pic>
+    </p:spTree>
+    <p:extLst>
+      <p:ext uri="{BB962C8B-B14F-4D97-AF65-F5344CB8AC3E}">
+        <p14:creationId xmlns:p14="http://schemas.microsoft.com/office/powerpoint/2010/main" val="4221846123"/>
+      </p:ext>
+    </p:extLst>
+  </p:cSld>
+  <p:clrMapOvr>
+    <a:masterClrMapping/>
+  </p:clrMapOvr>
+</p:sld>
+</file>
+
+<file path=ppt/slides/slide14.xml><?xml version="1.0" encoding="utf-8"?>
+<p:sld xmlns:a="http://schemas.openxmlformats.org/drawingml/2006/main" xmlns:r="http://schemas.openxmlformats.org/officeDocument/2006/relationships" xmlns:p="http://schemas.openxmlformats.org/presentationml/2006/main">
+  <p:cSld>
+    <p:spTree>
+      <p:nvGrpSpPr>
+        <p:cNvPr id="1" name=""/>
+        <p:cNvGrpSpPr/>
+        <p:nvPr/>
+      </p:nvGrpSpPr>
+      <p:grpSpPr>
+        <a:xfrm>
+          <a:off x="0" y="0"/>
+          <a:ext cx="0" cy="0"/>
+          <a:chOff x="0" y="0"/>
+          <a:chExt cx="0" cy="0"/>
+        </a:xfrm>
+      </p:grpSpPr>
+      <p:sp>
+        <p:nvSpPr>
+          <p:cNvPr id="2" name="Título 1">
+            <a:extLst>
+              <a:ext uri="{FF2B5EF4-FFF2-40B4-BE49-F238E27FC236}">
+                <a16:creationId xmlns:a16="http://schemas.microsoft.com/office/drawing/2014/main" id="{330E0720-68CF-4205-8F5E-D4D2FAF1FAB5}"/>
+              </a:ext>
+            </a:extLst>
+          </p:cNvPr>
+          <p:cNvSpPr>
+            <a:spLocks noGrp="1"/>
+          </p:cNvSpPr>
+          <p:nvPr>
+            <p:ph type="title"/>
+          </p:nvPr>
+        </p:nvSpPr>
+        <p:spPr/>
+        <p:txBody>
+          <a:bodyPr/>
+          <a:lstStyle/>
+          <a:p>
+            <a:endParaRPr lang="pt-BR"/>
+          </a:p>
+        </p:txBody>
+      </p:sp>
+      <p:sp>
+        <p:nvSpPr>
+          <p:cNvPr id="3" name="Espaço Reservado para Conteúdo 2">
+            <a:extLst>
+              <a:ext uri="{FF2B5EF4-FFF2-40B4-BE49-F238E27FC236}">
+                <a16:creationId xmlns:a16="http://schemas.microsoft.com/office/drawing/2014/main" id="{9A133EEC-BD71-4FF1-8B2B-B521D33CADE2}"/>
+              </a:ext>
+            </a:extLst>
+          </p:cNvPr>
+          <p:cNvSpPr>
+            <a:spLocks noGrp="1"/>
+          </p:cNvSpPr>
+          <p:nvPr>
+            <p:ph idx="1"/>
+          </p:nvPr>
+        </p:nvSpPr>
+        <p:spPr/>
+        <p:txBody>
+          <a:bodyPr/>
+          <a:lstStyle/>
+          <a:p>
+            <a:endParaRPr lang="pt-BR"/>
+          </a:p>
+        </p:txBody>
+      </p:sp>
+    </p:spTree>
+    <p:extLst>
+      <p:ext uri="{BB962C8B-B14F-4D97-AF65-F5344CB8AC3E}">
+        <p14:creationId xmlns:p14="http://schemas.microsoft.com/office/powerpoint/2010/main" val="3993959969"/>
+      </p:ext>
+    </p:extLst>
+  </p:cSld>
+  <p:clrMapOvr>
+    <a:masterClrMapping/>
+  </p:clrMapOvr>
+</p:sld>
+</file>
+
+<file path=ppt/slides/slide15.xml><?xml version="1.0" encoding="utf-8"?>
+<p:sld xmlns:a="http://schemas.openxmlformats.org/drawingml/2006/main" xmlns:r="http://schemas.openxmlformats.org/officeDocument/2006/relationships" xmlns:p="http://schemas.openxmlformats.org/presentationml/2006/main">
+  <p:cSld>
+    <p:spTree>
+      <p:nvGrpSpPr>
+        <p:cNvPr id="1" name=""/>
+        <p:cNvGrpSpPr/>
+        <p:nvPr/>
+      </p:nvGrpSpPr>
+      <p:grpSpPr>
+        <a:xfrm>
+          <a:off x="0" y="0"/>
+          <a:ext cx="0" cy="0"/>
+          <a:chOff x="0" y="0"/>
+          <a:chExt cx="0" cy="0"/>
+        </a:xfrm>
+      </p:grpSpPr>
+      <p:sp>
+        <p:nvSpPr>
+          <p:cNvPr id="2" name="Título 1"/>
+          <p:cNvSpPr>
+            <a:spLocks noGrp="1"/>
+          </p:cNvSpPr>
+          <p:nvPr>
+            <p:ph type="title"/>
+          </p:nvPr>
+        </p:nvSpPr>
+        <p:spPr/>
+        <p:txBody>
+          <a:bodyPr/>
+          <a:lstStyle/>
+          <a:p>
+            <a:r>
+              <a:rPr lang="pt-BR" dirty="0"/>
+              <a:t>Conclusão</a:t>
+            </a:r>
+          </a:p>
+        </p:txBody>
+      </p:sp>
+      <p:sp>
+        <p:nvSpPr>
+          <p:cNvPr id="3" name="Espaço Reservado para Conteúdo 2"/>
+          <p:cNvSpPr>
+            <a:spLocks noGrp="1"/>
+          </p:cNvSpPr>
+          <p:nvPr>
+            <p:ph idx="1"/>
+          </p:nvPr>
+        </p:nvSpPr>
+        <p:spPr/>
+        <p:txBody>
+          <a:bodyPr/>
+          <a:lstStyle/>
+          <a:p>
+            <a:endParaRPr lang="pt-BR"/>
           </a:p>
         </p:txBody>
       </p:sp>
@@ -3178,10 +4026,9 @@
           <a:lstStyle/>
           <a:p>
             <a:r>
-              <a:rPr lang="pt-BR" dirty="0" smtClean="0"/>
+              <a:rPr lang="pt-BR" dirty="0"/>
               <a:t>Tabela de requisitos</a:t>
             </a:r>
-            <a:endParaRPr lang="pt-BR" dirty="0"/>
           </a:p>
         </p:txBody>
       </p:sp>
@@ -3201,10 +4048,9 @@
           <a:lstStyle/>
           <a:p>
             <a:r>
-              <a:rPr lang="pt-BR" dirty="0" smtClean="0"/>
+              <a:rPr lang="pt-BR" dirty="0"/>
               <a:t>100% cumpridos</a:t>
             </a:r>
-            <a:endParaRPr lang="pt-BR" dirty="0"/>
           </a:p>
         </p:txBody>
       </p:sp>
@@ -3249,10 +4095,9 @@
           <a:lstStyle/>
           <a:p>
             <a:r>
-              <a:rPr lang="pt-BR" dirty="0" smtClean="0"/>
+              <a:rPr lang="pt-BR" dirty="0"/>
               <a:t>Diagrama de Classes</a:t>
             </a:r>
-            <a:endParaRPr lang="pt-BR" dirty="0"/>
           </a:p>
         </p:txBody>
       </p:sp>
@@ -3318,29 +4163,36 @@
           <a:lstStyle/>
           <a:p>
             <a:r>
-              <a:rPr lang="pt-BR" dirty="0" smtClean="0"/>
+              <a:rPr lang="pt-BR" dirty="0"/>
               <a:t>Tabela de conceitos utilizados e não utilizados</a:t>
             </a:r>
+          </a:p>
+        </p:txBody>
+      </p:sp>
+      <p:sp>
+        <p:nvSpPr>
+          <p:cNvPr id="3" name="Espaço Reservado para Conteúdo 2"/>
+          <p:cNvSpPr>
+            <a:spLocks noGrp="1"/>
+          </p:cNvSpPr>
+          <p:nvPr>
+            <p:ph idx="1"/>
+          </p:nvPr>
+        </p:nvSpPr>
+        <p:spPr/>
+        <p:txBody>
+          <a:bodyPr vert="horz" lIns="91440" tIns="45720" rIns="91440" bIns="45720" rtlCol="0" anchor="t">
+            <a:normAutofit/>
+          </a:bodyPr>
+          <a:lstStyle/>
+          <a:p>
+            <a:r>
+              <a:rPr lang="pt-BR" dirty="0">
+                <a:cs typeface="Calibri"/>
+              </a:rPr>
+              <a:t>89% dos conceitos foram utilizados</a:t>
+            </a:r>
             <a:endParaRPr lang="pt-BR" dirty="0"/>
-          </a:p>
-        </p:txBody>
-      </p:sp>
-      <p:sp>
-        <p:nvSpPr>
-          <p:cNvPr id="3" name="Espaço Reservado para Conteúdo 2"/>
-          <p:cNvSpPr>
-            <a:spLocks noGrp="1"/>
-          </p:cNvSpPr>
-          <p:nvPr>
-            <p:ph idx="1"/>
-          </p:nvPr>
-        </p:nvSpPr>
-        <p:spPr/>
-        <p:txBody>
-          <a:bodyPr/>
-          <a:lstStyle/>
-          <a:p>
-            <a:endParaRPr lang="pt-BR"/>
           </a:p>
         </p:txBody>
       </p:sp>
@@ -3385,18 +4237,17 @@
           <a:lstStyle/>
           <a:p>
             <a:r>
-              <a:rPr lang="pt-BR" dirty="0" smtClean="0"/>
+              <a:rPr lang="pt-BR" dirty="0"/>
               <a:t>Fotos/</a:t>
             </a:r>
             <a:r>
-              <a:rPr lang="pt-BR" dirty="0" err="1" smtClean="0"/>
+              <a:rPr lang="pt-BR" dirty="0" err="1"/>
               <a:t>Video</a:t>
             </a:r>
             <a:r>
-              <a:rPr lang="pt-BR" dirty="0" smtClean="0"/>
+              <a:rPr lang="pt-BR" dirty="0"/>
               <a:t> do jogo</a:t>
             </a:r>
-            <a:endParaRPr lang="pt-BR" dirty="0"/>
           </a:p>
         </p:txBody>
       </p:sp>
@@ -3446,7 +4297,13 @@
       </p:grpSpPr>
       <p:sp>
         <p:nvSpPr>
-          <p:cNvPr id="2" name="Título 1"/>
+          <p:cNvPr id="2" name="Título 1">
+            <a:extLst>
+              <a:ext uri="{FF2B5EF4-FFF2-40B4-BE49-F238E27FC236}">
+                <a16:creationId xmlns:a16="http://schemas.microsoft.com/office/drawing/2014/main" id="{27E8C013-3A7A-4475-AD7F-968CC8EE2408}"/>
+              </a:ext>
+            </a:extLst>
+          </p:cNvPr>
           <p:cNvSpPr>
             <a:spLocks noGrp="1"/>
           </p:cNvSpPr>
@@ -3460,33 +4317,320 @@
           <a:lstStyle/>
           <a:p>
             <a:r>
-              <a:rPr lang="pt-BR" dirty="0" smtClean="0"/>
-              <a:t>Conclusão</a:t>
+              <a:rPr lang="pt-BR" dirty="0">
+                <a:cs typeface="Calibri"/>
+              </a:rPr>
+              <a:t>Início do jogo</a:t>
             </a:r>
             <a:endParaRPr lang="pt-BR" dirty="0"/>
           </a:p>
         </p:txBody>
       </p:sp>
-      <p:sp>
-        <p:nvSpPr>
-          <p:cNvPr id="3" name="Espaço Reservado para Conteúdo 2"/>
-          <p:cNvSpPr>
-            <a:spLocks noGrp="1"/>
-          </p:cNvSpPr>
+      <p:pic>
+        <p:nvPicPr>
+          <p:cNvPr id="8" name="Imagem 8" descr="Tela preta com letras brancas&#10;&#10;Descrição gerada com alta confiança">
+            <a:extLst>
+              <a:ext uri="{FF2B5EF4-FFF2-40B4-BE49-F238E27FC236}">
+                <a16:creationId xmlns:a16="http://schemas.microsoft.com/office/drawing/2014/main" id="{0B8BD1B5-7E21-4C35-A41B-31F249A3C9EE}"/>
+              </a:ext>
+            </a:extLst>
+          </p:cNvPr>
+          <p:cNvPicPr>
+            <a:picLocks noGrp="1" noChangeAspect="1"/>
+          </p:cNvPicPr>
           <p:nvPr>
             <p:ph idx="1"/>
           </p:nvPr>
-        </p:nvSpPr>
-        <p:spPr/>
-        <p:txBody>
-          <a:bodyPr/>
-          <a:lstStyle/>
-          <a:p>
-            <a:endParaRPr lang="pt-BR"/>
-          </a:p>
-        </p:txBody>
-      </p:sp>
+        </p:nvPicPr>
+        <p:blipFill>
+          <a:blip r:embed="rId2"/>
+          <a:stretch>
+            <a:fillRect/>
+          </a:stretch>
+        </p:blipFill>
+        <p:spPr>
+          <a:xfrm>
+            <a:off x="455013" y="1306506"/>
+            <a:ext cx="8179286" cy="4966882"/>
+          </a:xfrm>
+        </p:spPr>
+      </p:pic>
     </p:spTree>
+    <p:extLst>
+      <p:ext uri="{BB962C8B-B14F-4D97-AF65-F5344CB8AC3E}">
+        <p14:creationId xmlns:p14="http://schemas.microsoft.com/office/powerpoint/2010/main" val="2458281536"/>
+      </p:ext>
+    </p:extLst>
+  </p:cSld>
+  <p:clrMapOvr>
+    <a:masterClrMapping/>
+  </p:clrMapOvr>
+</p:sld>
+</file>
+
+<file path=ppt/slides/slide7.xml><?xml version="1.0" encoding="utf-8"?>
+<p:sld xmlns:a="http://schemas.openxmlformats.org/drawingml/2006/main" xmlns:r="http://schemas.openxmlformats.org/officeDocument/2006/relationships" xmlns:p="http://schemas.openxmlformats.org/presentationml/2006/main">
+  <p:cSld>
+    <p:spTree>
+      <p:nvGrpSpPr>
+        <p:cNvPr id="1" name=""/>
+        <p:cNvGrpSpPr/>
+        <p:nvPr/>
+      </p:nvGrpSpPr>
+      <p:grpSpPr>
+        <a:xfrm>
+          <a:off x="0" y="0"/>
+          <a:ext cx="0" cy="0"/>
+          <a:chOff x="0" y="0"/>
+          <a:chExt cx="0" cy="0"/>
+        </a:xfrm>
+      </p:grpSpPr>
+      <p:sp>
+        <p:nvSpPr>
+          <p:cNvPr id="2" name="Título 1">
+            <a:extLst>
+              <a:ext uri="{FF2B5EF4-FFF2-40B4-BE49-F238E27FC236}">
+                <a16:creationId xmlns:a16="http://schemas.microsoft.com/office/drawing/2014/main" id="{D6A9105B-8C69-43B7-8B6A-6E804F6AC2B5}"/>
+              </a:ext>
+            </a:extLst>
+          </p:cNvPr>
+          <p:cNvSpPr>
+            <a:spLocks noGrp="1"/>
+          </p:cNvSpPr>
+          <p:nvPr>
+            <p:ph type="title"/>
+          </p:nvPr>
+        </p:nvSpPr>
+        <p:spPr/>
+        <p:txBody>
+          <a:bodyPr/>
+          <a:lstStyle/>
+          <a:p>
+            <a:r>
+              <a:rPr lang="pt-BR" dirty="0">
+                <a:cs typeface="Calibri"/>
+              </a:rPr>
+              <a:t>Colocado personagem na tela</a:t>
+            </a:r>
+            <a:endParaRPr lang="pt-BR" dirty="0"/>
+          </a:p>
+        </p:txBody>
+      </p:sp>
+      <p:pic>
+        <p:nvPicPr>
+          <p:cNvPr id="8" name="Imagem 8" descr="Uma imagem contendo relógio&#10;&#10;Descrição gerada com muito alta confiança">
+            <a:extLst>
+              <a:ext uri="{FF2B5EF4-FFF2-40B4-BE49-F238E27FC236}">
+                <a16:creationId xmlns:a16="http://schemas.microsoft.com/office/drawing/2014/main" id="{FB7829EB-04D5-425C-A6AE-5AE3AB2589C4}"/>
+              </a:ext>
+            </a:extLst>
+          </p:cNvPr>
+          <p:cNvPicPr>
+            <a:picLocks noGrp="1" noChangeAspect="1"/>
+          </p:cNvPicPr>
+          <p:nvPr>
+            <p:ph idx="1"/>
+          </p:nvPr>
+        </p:nvPicPr>
+        <p:blipFill>
+          <a:blip r:embed="rId2"/>
+          <a:stretch>
+            <a:fillRect/>
+          </a:stretch>
+        </p:blipFill>
+        <p:spPr>
+          <a:xfrm>
+            <a:off x="457200" y="1720056"/>
+            <a:ext cx="8229600" cy="4286250"/>
+          </a:xfrm>
+        </p:spPr>
+      </p:pic>
+    </p:spTree>
+    <p:extLst>
+      <p:ext uri="{BB962C8B-B14F-4D97-AF65-F5344CB8AC3E}">
+        <p14:creationId xmlns:p14="http://schemas.microsoft.com/office/powerpoint/2010/main" val="2577714810"/>
+      </p:ext>
+    </p:extLst>
+  </p:cSld>
+  <p:clrMapOvr>
+    <a:masterClrMapping/>
+  </p:clrMapOvr>
+</p:sld>
+</file>
+
+<file path=ppt/slides/slide8.xml><?xml version="1.0" encoding="utf-8"?>
+<p:sld xmlns:a="http://schemas.openxmlformats.org/drawingml/2006/main" xmlns:r="http://schemas.openxmlformats.org/officeDocument/2006/relationships" xmlns:p="http://schemas.openxmlformats.org/presentationml/2006/main">
+  <p:cSld>
+    <p:spTree>
+      <p:nvGrpSpPr>
+        <p:cNvPr id="1" name=""/>
+        <p:cNvGrpSpPr/>
+        <p:nvPr/>
+      </p:nvGrpSpPr>
+      <p:grpSpPr>
+        <a:xfrm>
+          <a:off x="0" y="0"/>
+          <a:ext cx="0" cy="0"/>
+          <a:chOff x="0" y="0"/>
+          <a:chExt cx="0" cy="0"/>
+        </a:xfrm>
+      </p:grpSpPr>
+      <p:sp>
+        <p:nvSpPr>
+          <p:cNvPr id="2" name="Título 1">
+            <a:extLst>
+              <a:ext uri="{FF2B5EF4-FFF2-40B4-BE49-F238E27FC236}">
+                <a16:creationId xmlns:a16="http://schemas.microsoft.com/office/drawing/2014/main" id="{29BA6416-7C31-48F1-8CF9-8AEFCE9D8880}"/>
+              </a:ext>
+            </a:extLst>
+          </p:cNvPr>
+          <p:cNvSpPr>
+            <a:spLocks noGrp="1"/>
+          </p:cNvSpPr>
+          <p:nvPr>
+            <p:ph type="title"/>
+          </p:nvPr>
+        </p:nvSpPr>
+        <p:spPr/>
+        <p:txBody>
+          <a:bodyPr/>
+          <a:lstStyle/>
+          <a:p>
+            <a:r>
+              <a:rPr lang="pt-BR" dirty="0">
+                <a:cs typeface="Calibri"/>
+              </a:rPr>
+              <a:t>Adicionado mapa e background</a:t>
+            </a:r>
+            <a:endParaRPr lang="pt-BR" dirty="0"/>
+          </a:p>
+        </p:txBody>
+      </p:sp>
+      <p:pic>
+        <p:nvPicPr>
+          <p:cNvPr id="8" name="Imagem 8" descr="Uma imagem contendo foto, frente, pássaro, mesa&#10;&#10;Descrição gerada com muito alta confiança">
+            <a:extLst>
+              <a:ext uri="{FF2B5EF4-FFF2-40B4-BE49-F238E27FC236}">
+                <a16:creationId xmlns:a16="http://schemas.microsoft.com/office/drawing/2014/main" id="{07A268B1-7CEF-47EE-AE50-310C9395327A}"/>
+              </a:ext>
+            </a:extLst>
+          </p:cNvPr>
+          <p:cNvPicPr>
+            <a:picLocks noGrp="1" noChangeAspect="1"/>
+          </p:cNvPicPr>
+          <p:nvPr>
+            <p:ph idx="1"/>
+          </p:nvPr>
+        </p:nvPicPr>
+        <p:blipFill>
+          <a:blip r:embed="rId2"/>
+          <a:stretch>
+            <a:fillRect/>
+          </a:stretch>
+        </p:blipFill>
+        <p:spPr>
+          <a:xfrm>
+            <a:off x="457200" y="1747917"/>
+            <a:ext cx="8229600" cy="4230529"/>
+          </a:xfrm>
+        </p:spPr>
+      </p:pic>
+    </p:spTree>
+    <p:extLst>
+      <p:ext uri="{BB962C8B-B14F-4D97-AF65-F5344CB8AC3E}">
+        <p14:creationId xmlns:p14="http://schemas.microsoft.com/office/powerpoint/2010/main" val="2929245450"/>
+      </p:ext>
+    </p:extLst>
+  </p:cSld>
+  <p:clrMapOvr>
+    <a:masterClrMapping/>
+  </p:clrMapOvr>
+</p:sld>
+</file>
+
+<file path=ppt/slides/slide9.xml><?xml version="1.0" encoding="utf-8"?>
+<p:sld xmlns:a="http://schemas.openxmlformats.org/drawingml/2006/main" xmlns:r="http://schemas.openxmlformats.org/officeDocument/2006/relationships" xmlns:p="http://schemas.openxmlformats.org/presentationml/2006/main">
+  <p:cSld>
+    <p:spTree>
+      <p:nvGrpSpPr>
+        <p:cNvPr id="1" name=""/>
+        <p:cNvGrpSpPr/>
+        <p:nvPr/>
+      </p:nvGrpSpPr>
+      <p:grpSpPr>
+        <a:xfrm>
+          <a:off x="0" y="0"/>
+          <a:ext cx="0" cy="0"/>
+          <a:chOff x="0" y="0"/>
+          <a:chExt cx="0" cy="0"/>
+        </a:xfrm>
+      </p:grpSpPr>
+      <p:sp>
+        <p:nvSpPr>
+          <p:cNvPr id="2" name="Título 1">
+            <a:extLst>
+              <a:ext uri="{FF2B5EF4-FFF2-40B4-BE49-F238E27FC236}">
+                <a16:creationId xmlns:a16="http://schemas.microsoft.com/office/drawing/2014/main" id="{25BB2CD9-34D0-4746-AED1-BE41DB726E68}"/>
+              </a:ext>
+            </a:extLst>
+          </p:cNvPr>
+          <p:cNvSpPr>
+            <a:spLocks noGrp="1"/>
+          </p:cNvSpPr>
+          <p:nvPr>
+            <p:ph type="title"/>
+          </p:nvPr>
+        </p:nvSpPr>
+        <p:spPr/>
+        <p:txBody>
+          <a:bodyPr/>
+          <a:lstStyle/>
+          <a:p>
+            <a:r>
+              <a:rPr lang="pt-BR" dirty="0">
+                <a:cs typeface="Calibri"/>
+              </a:rPr>
+              <a:t>Adicionados obstáculos</a:t>
+            </a:r>
+            <a:endParaRPr lang="pt-BR" dirty="0"/>
+          </a:p>
+        </p:txBody>
+      </p:sp>
+      <p:pic>
+        <p:nvPicPr>
+          <p:cNvPr id="4" name="Imagem 4" descr="Uma imagem contendo mesa, colorido, pássaro, foto&#10;&#10;Descrição gerada com muito alta confiança">
+            <a:extLst>
+              <a:ext uri="{FF2B5EF4-FFF2-40B4-BE49-F238E27FC236}">
+                <a16:creationId xmlns:a16="http://schemas.microsoft.com/office/drawing/2014/main" id="{811F4465-4B1C-44A7-94B7-00D91A263D1F}"/>
+              </a:ext>
+            </a:extLst>
+          </p:cNvPr>
+          <p:cNvPicPr>
+            <a:picLocks noGrp="1" noChangeAspect="1"/>
+          </p:cNvPicPr>
+          <p:nvPr>
+            <p:ph idx="1"/>
+          </p:nvPr>
+        </p:nvPicPr>
+        <p:blipFill>
+          <a:blip r:embed="rId2"/>
+          <a:stretch>
+            <a:fillRect/>
+          </a:stretch>
+        </p:blipFill>
+        <p:spPr>
+          <a:xfrm>
+            <a:off x="457200" y="1728629"/>
+            <a:ext cx="8229600" cy="4269105"/>
+          </a:xfrm>
+        </p:spPr>
+      </p:pic>
+    </p:spTree>
+    <p:extLst>
+      <p:ext uri="{BB962C8B-B14F-4D97-AF65-F5344CB8AC3E}">
+        <p14:creationId xmlns:p14="http://schemas.microsoft.com/office/powerpoint/2010/main" val="3635162103"/>
+      </p:ext>
+    </p:extLst>
   </p:cSld>
   <p:clrMapOvr>
     <a:masterClrMapping/>
